--- a/Student Loan Analysis powerpoint.pptx
+++ b/Student Loan Analysis powerpoint.pptx
@@ -12,9 +12,9 @@
     <p:sldId id="303" r:id="rId9"/>
     <p:sldId id="304" r:id="rId10"/>
     <p:sldId id="305" r:id="rId11"/>
-    <p:sldId id="306" r:id="rId12"/>
+    <p:sldId id="309" r:id="rId12"/>
     <p:sldId id="308" r:id="rId13"/>
-    <p:sldId id="309" r:id="rId14"/>
+    <p:sldId id="306" r:id="rId14"/>
     <p:sldId id="310" r:id="rId15"/>
     <p:sldId id="311" r:id="rId16"/>
     <p:sldId id="312" r:id="rId17"/>
@@ -3889,10 +3889,10 @@
       </p:sp>
       <p:pic>
         <p:nvPicPr>
-          <p:cNvPr id="4098" name="Picture 2">
+          <p:cNvPr id="4104" name="Picture 8">
             <a:extLst>
               <a:ext uri="{FF2B5EF4-FFF2-40B4-BE49-F238E27FC236}">
-                <a16:creationId xmlns:a16="http://schemas.microsoft.com/office/drawing/2014/main" id="{EA465852-D1A1-4B90-894C-98D83086637A}"/>
+                <a16:creationId xmlns:a16="http://schemas.microsoft.com/office/drawing/2014/main" id="{22E4498C-6EF7-445B-A9F9-52A8CB55AC3B}"/>
               </a:ext>
             </a:extLst>
           </p:cNvPr>
@@ -3909,14 +3909,15 @@
               </a:ext>
             </a:extLst>
           </a:blip>
+          <a:srcRect/>
           <a:stretch>
             <a:fillRect/>
           </a:stretch>
         </p:blipFill>
         <p:spPr bwMode="auto">
           <a:xfrm>
-            <a:off x="-9980" y="-11430"/>
-            <a:ext cx="6172655" cy="6172655"/>
+            <a:off x="-758" y="-6281"/>
+            <a:ext cx="6150233" cy="6150233"/>
           </a:xfrm>
           <a:prstGeom prst="rect">
             <a:avLst/>
@@ -3938,7 +3939,7 @@
           <p:cNvPr id="3" name="Picture 2">
             <a:extLst>
               <a:ext uri="{FF2B5EF4-FFF2-40B4-BE49-F238E27FC236}">
-                <a16:creationId xmlns:a16="http://schemas.microsoft.com/office/drawing/2014/main" id="{6DAB4351-1981-4CD9-ACF9-AE1DBD62223A}"/>
+                <a16:creationId xmlns:a16="http://schemas.microsoft.com/office/drawing/2014/main" id="{A65E0522-FF91-49FF-AC6C-5BA0769CCFE0}"/>
               </a:ext>
             </a:extLst>
           </p:cNvPr>
@@ -3955,8 +3956,8 @@
         </p:blipFill>
         <p:spPr>
           <a:xfrm>
-            <a:off x="7262332" y="3881959"/>
-            <a:ext cx="2476500" cy="1885950"/>
+            <a:off x="7299826" y="3905089"/>
+            <a:ext cx="2476500" cy="1819275"/>
           </a:xfrm>
           <a:prstGeom prst="rect">
             <a:avLst/>
@@ -3966,7 +3967,7 @@
     </p:spTree>
     <p:extLst>
       <p:ext uri="{BB962C8B-B14F-4D97-AF65-F5344CB8AC3E}">
-        <p14:creationId xmlns:p14="http://schemas.microsoft.com/office/powerpoint/2010/main" val="3770790853"/>
+        <p14:creationId xmlns:p14="http://schemas.microsoft.com/office/powerpoint/2010/main" val="3181530924"/>
       </p:ext>
     </p:extLst>
   </p:cSld>
@@ -9390,30 +9391,6 @@
 <file path=ppt/slides/slide8.xml><?xml version="1.0" encoding="utf-8"?>
 <p:sld xmlns:a="http://schemas.openxmlformats.org/drawingml/2006/main" xmlns:r="http://schemas.openxmlformats.org/officeDocument/2006/relationships" xmlns:p="http://schemas.openxmlformats.org/presentationml/2006/main">
   <p:cSld>
-    <p:bg>
-      <p:bgPr>
-        <a:gradFill rotWithShape="1">
-          <a:gsLst>
-            <a:gs pos="0">
-              <a:schemeClr val="bg2">
-                <a:tint val="94000"/>
-                <a:satMod val="80000"/>
-                <a:lumMod val="106000"/>
-              </a:schemeClr>
-            </a:gs>
-            <a:gs pos="100000">
-              <a:schemeClr val="bg2">
-                <a:shade val="80000"/>
-              </a:schemeClr>
-            </a:gs>
-          </a:gsLst>
-          <a:path path="circle">
-            <a:fillToRect l="43000" r="43000" b="100000"/>
-          </a:path>
-        </a:gradFill>
-        <a:effectLst/>
-      </p:bgPr>
-    </p:bg>
     <p:spTree>
       <p:nvGrpSpPr>
         <p:cNvPr id="1" name=""/>
@@ -9428,352 +9405,6 @@
           <a:chExt cx="0" cy="0"/>
         </a:xfrm>
       </p:grpSpPr>
-      <p:sp>
-        <p:nvSpPr>
-          <p:cNvPr id="71" name="Rectangle 70">
-            <a:extLst>
-              <a:ext uri="{FF2B5EF4-FFF2-40B4-BE49-F238E27FC236}">
-                <a16:creationId xmlns:a16="http://schemas.microsoft.com/office/drawing/2014/main" id="{0CABCAE3-64FC-4149-819F-2C1812824154}"/>
-              </a:ext>
-              <a:ext uri="{C183D7F6-B498-43B3-948B-1728B52AA6E4}">
-                <adec:decorative xmlns:adec="http://schemas.microsoft.com/office/drawing/2017/decorative" val="1"/>
-              </a:ext>
-            </a:extLst>
-          </p:cNvPr>
-          <p:cNvSpPr>
-            <a:spLocks noGrp="1" noRot="1" noChangeAspect="1" noMove="1" noResize="1" noEditPoints="1" noAdjustHandles="1" noChangeArrowheads="1" noChangeShapeType="1" noTextEdit="1"/>
-          </p:cNvSpPr>
-          <p:nvPr>
-            <p:extLst>
-              <p:ext uri="{386F3935-93C4-4BCD-93E2-E3B085C9AB24}">
-                <p16:designElem xmlns:p16="http://schemas.microsoft.com/office/powerpoint/2015/main" val="1"/>
-              </p:ext>
-            </p:extLst>
-          </p:nvPr>
-        </p:nvSpPr>
-        <p:spPr>
-          <a:xfrm>
-            <a:off x="0" y="2019476"/>
-            <a:ext cx="12192000" cy="4105941"/>
-          </a:xfrm>
-          <a:prstGeom prst="rect">
-            <a:avLst/>
-          </a:prstGeom>
-          <a:gradFill flip="none" rotWithShape="1">
-            <a:gsLst>
-              <a:gs pos="0">
-                <a:schemeClr val="bg2">
-                  <a:alpha val="0"/>
-                </a:schemeClr>
-              </a:gs>
-              <a:gs pos="100000">
-                <a:schemeClr val="bg2"/>
-              </a:gs>
-            </a:gsLst>
-            <a:lin ang="5400000" scaled="0"/>
-            <a:tileRect/>
-          </a:gradFill>
-          <a:ln>
-            <a:noFill/>
-          </a:ln>
-        </p:spPr>
-        <p:style>
-          <a:lnRef idx="2">
-            <a:schemeClr val="accent1">
-              <a:shade val="50000"/>
-            </a:schemeClr>
-          </a:lnRef>
-          <a:fillRef idx="1">
-            <a:schemeClr val="accent1"/>
-          </a:fillRef>
-          <a:effectRef idx="0">
-            <a:schemeClr val="accent1"/>
-          </a:effectRef>
-          <a:fontRef idx="minor">
-            <a:schemeClr val="lt1"/>
-          </a:fontRef>
-        </p:style>
-      </p:sp>
-      <p:pic>
-        <p:nvPicPr>
-          <p:cNvPr id="73" name="Picture 72">
-            <a:extLst>
-              <a:ext uri="{FF2B5EF4-FFF2-40B4-BE49-F238E27FC236}">
-                <a16:creationId xmlns:a16="http://schemas.microsoft.com/office/drawing/2014/main" id="{012FDCFE-9AD2-4D8A-8CBF-B3AA37EBF6DD}"/>
-              </a:ext>
-              <a:ext uri="{C183D7F6-B498-43B3-948B-1728B52AA6E4}">
-                <adec:decorative xmlns:adec="http://schemas.microsoft.com/office/drawing/2017/decorative" val="1"/>
-              </a:ext>
-            </a:extLst>
-          </p:cNvPr>
-          <p:cNvPicPr>
-            <a:picLocks noGrp="1" noRot="1" noChangeAspect="1" noMove="1" noResize="1" noEditPoints="1" noAdjustHandles="1" noChangeArrowheads="1" noChangeShapeType="1" noCrop="1"/>
-          </p:cNvPicPr>
-          <p:nvPr>
-            <p:extLst>
-              <p:ext uri="{386F3935-93C4-4BCD-93E2-E3B085C9AB24}">
-                <p16:designElem xmlns:p16="http://schemas.microsoft.com/office/powerpoint/2015/main" val="1"/>
-              </p:ext>
-            </p:extLst>
-          </p:nvPr>
-        </p:nvPicPr>
-        <p:blipFill rotWithShape="1">
-          <a:blip r:embed="rId2">
-            <a:extLst>
-              <a:ext uri="{28A0092B-C50C-407E-A947-70E740481C1C}">
-                <a14:useLocalDpi xmlns:a14="http://schemas.microsoft.com/office/drawing/2010/main" val="0"/>
-              </a:ext>
-            </a:extLst>
-          </a:blip>
-          <a:srcRect t="1538" b="-1538"/>
-          <a:stretch/>
-        </p:blipFill>
-        <p:spPr bwMode="black">
-          <a:xfrm>
-            <a:off x="0" y="6126480"/>
-            <a:ext cx="12192000" cy="742950"/>
-          </a:xfrm>
-          <a:prstGeom prst="rect">
-            <a:avLst/>
-          </a:prstGeom>
-        </p:spPr>
-      </p:pic>
-      <p:cxnSp>
-        <p:nvCxnSpPr>
-          <p:cNvPr id="75" name="Straight Connector 74">
-            <a:extLst>
-              <a:ext uri="{FF2B5EF4-FFF2-40B4-BE49-F238E27FC236}">
-                <a16:creationId xmlns:a16="http://schemas.microsoft.com/office/drawing/2014/main" id="{FBD463FC-4CA8-4FF4-85A3-AF9F4B98D210}"/>
-              </a:ext>
-              <a:ext uri="{C183D7F6-B498-43B3-948B-1728B52AA6E4}">
-                <adec:decorative xmlns:adec="http://schemas.microsoft.com/office/drawing/2017/decorative" val="1"/>
-              </a:ext>
-            </a:extLst>
-          </p:cNvPr>
-          <p:cNvCxnSpPr>
-            <a:cxnSpLocks noGrp="1" noRot="1" noChangeAspect="1" noMove="1" noResize="1" noEditPoints="1" noAdjustHandles="1" noChangeArrowheads="1" noChangeShapeType="1"/>
-          </p:cNvCxnSpPr>
-          <p:nvPr>
-            <p:extLst>
-              <p:ext uri="{386F3935-93C4-4BCD-93E2-E3B085C9AB24}">
-                <p16:designElem xmlns:p16="http://schemas.microsoft.com/office/powerpoint/2015/main" val="1"/>
-              </p:ext>
-            </p:extLst>
-          </p:nvPr>
-        </p:nvCxnSpPr>
-        <p:spPr>
-          <a:xfrm>
-            <a:off x="0" y="6128413"/>
-            <a:ext cx="12192000" cy="0"/>
-          </a:xfrm>
-          <a:prstGeom prst="line">
-            <a:avLst/>
-          </a:prstGeom>
-          <a:ln w="12700">
-            <a:solidFill>
-              <a:srgbClr val="000001">
-                <a:alpha val="20000"/>
-              </a:srgbClr>
-            </a:solidFill>
-          </a:ln>
-        </p:spPr>
-        <p:style>
-          <a:lnRef idx="1">
-            <a:schemeClr val="accent1"/>
-          </a:lnRef>
-          <a:fillRef idx="0">
-            <a:schemeClr val="accent1"/>
-          </a:fillRef>
-          <a:effectRef idx="0">
-            <a:schemeClr val="accent1"/>
-          </a:effectRef>
-          <a:fontRef idx="minor">
-            <a:schemeClr val="tx1"/>
-          </a:fontRef>
-        </p:style>
-      </p:cxnSp>
-      <p:cxnSp>
-        <p:nvCxnSpPr>
-          <p:cNvPr id="77" name="Straight Connector 76">
-            <a:extLst>
-              <a:ext uri="{FF2B5EF4-FFF2-40B4-BE49-F238E27FC236}">
-                <a16:creationId xmlns:a16="http://schemas.microsoft.com/office/drawing/2014/main" id="{BECF35C3-8B44-4F4B-BD25-4C01823DB22A}"/>
-              </a:ext>
-              <a:ext uri="{C183D7F6-B498-43B3-948B-1728B52AA6E4}">
-                <adec:decorative xmlns:adec="http://schemas.microsoft.com/office/drawing/2017/decorative" val="1"/>
-              </a:ext>
-            </a:extLst>
-          </p:cNvPr>
-          <p:cNvCxnSpPr>
-            <a:cxnSpLocks noGrp="1" noRot="1" noChangeAspect="1" noMove="1" noResize="1" noEditPoints="1" noAdjustHandles="1" noChangeArrowheads="1" noChangeShapeType="1"/>
-          </p:cNvCxnSpPr>
-          <p:nvPr>
-            <p:extLst>
-              <p:ext uri="{386F3935-93C4-4BCD-93E2-E3B085C9AB24}">
-                <p16:designElem xmlns:p16="http://schemas.microsoft.com/office/powerpoint/2015/main" val="1"/>
-              </p:ext>
-            </p:extLst>
-          </p:nvPr>
-        </p:nvCxnSpPr>
-        <p:spPr>
-          <a:xfrm>
-            <a:off x="2417780" y="3528542"/>
-            <a:ext cx="8637072" cy="0"/>
-          </a:xfrm>
-          <a:prstGeom prst="line">
-            <a:avLst/>
-          </a:prstGeom>
-          <a:ln w="31750"/>
-        </p:spPr>
-        <p:style>
-          <a:lnRef idx="3">
-            <a:schemeClr val="accent1"/>
-          </a:lnRef>
-          <a:fillRef idx="0">
-            <a:schemeClr val="accent1"/>
-          </a:fillRef>
-          <a:effectRef idx="2">
-            <a:schemeClr val="accent1"/>
-          </a:effectRef>
-          <a:fontRef idx="minor">
-            <a:schemeClr val="tx1"/>
-          </a:fontRef>
-        </p:style>
-      </p:cxnSp>
-      <p:sp useBgFill="1">
-        <p:nvSpPr>
-          <p:cNvPr id="79" name="Rectangle 78">
-            <a:extLst>
-              <a:ext uri="{FF2B5EF4-FFF2-40B4-BE49-F238E27FC236}">
-                <a16:creationId xmlns:a16="http://schemas.microsoft.com/office/drawing/2014/main" id="{8BC298DB-2D5C-40A1-9A78-6B4A12198A9B}"/>
-              </a:ext>
-              <a:ext uri="{C183D7F6-B498-43B3-948B-1728B52AA6E4}">
-                <adec:decorative xmlns:adec="http://schemas.microsoft.com/office/drawing/2017/decorative" val="1"/>
-              </a:ext>
-            </a:extLst>
-          </p:cNvPr>
-          <p:cNvSpPr>
-            <a:spLocks noGrp="1" noRot="1" noChangeAspect="1" noMove="1" noResize="1" noEditPoints="1" noAdjustHandles="1" noChangeArrowheads="1" noChangeShapeType="1" noTextEdit="1"/>
-          </p:cNvSpPr>
-          <p:nvPr>
-            <p:extLst>
-              <p:ext uri="{386F3935-93C4-4BCD-93E2-E3B085C9AB24}">
-                <p16:designElem xmlns:p16="http://schemas.microsoft.com/office/powerpoint/2015/main" val="1"/>
-              </p:ext>
-            </p:extLst>
-          </p:nvPr>
-        </p:nvSpPr>
-        <p:spPr>
-          <a:xfrm>
-            <a:off x="2" y="0"/>
-            <a:ext cx="12191695" cy="6858000"/>
-          </a:xfrm>
-          <a:prstGeom prst="rect">
-            <a:avLst/>
-          </a:prstGeom>
-          <a:ln>
-            <a:noFill/>
-          </a:ln>
-        </p:spPr>
-        <p:style>
-          <a:lnRef idx="2">
-            <a:schemeClr val="accent1">
-              <a:shade val="50000"/>
-            </a:schemeClr>
-          </a:lnRef>
-          <a:fillRef idx="1">
-            <a:schemeClr val="accent1"/>
-          </a:fillRef>
-          <a:effectRef idx="0">
-            <a:schemeClr val="accent1"/>
-          </a:effectRef>
-          <a:fontRef idx="minor">
-            <a:schemeClr val="lt1"/>
-          </a:fontRef>
-        </p:style>
-        <p:txBody>
-          <a:bodyPr rtlCol="0" anchor="ctr"/>
-          <a:lstStyle/>
-          <a:p>
-            <a:pPr algn="ctr"/>
-            <a:endParaRPr lang="en-US"/>
-          </a:p>
-        </p:txBody>
-      </p:sp>
-      <p:sp>
-        <p:nvSpPr>
-          <p:cNvPr id="81" name="Rectangle 80">
-            <a:extLst>
-              <a:ext uri="{FF2B5EF4-FFF2-40B4-BE49-F238E27FC236}">
-                <a16:creationId xmlns:a16="http://schemas.microsoft.com/office/drawing/2014/main" id="{35C2355B-7CE9-4192-9142-A41CA0A0C08B}"/>
-              </a:ext>
-              <a:ext uri="{C183D7F6-B498-43B3-948B-1728B52AA6E4}">
-                <adec:decorative xmlns:adec="http://schemas.microsoft.com/office/drawing/2017/decorative" val="1"/>
-              </a:ext>
-            </a:extLst>
-          </p:cNvPr>
-          <p:cNvSpPr>
-            <a:spLocks noGrp="1" noRot="1" noChangeAspect="1" noMove="1" noResize="1" noEditPoints="1" noAdjustHandles="1" noChangeArrowheads="1" noChangeShapeType="1" noTextEdit="1"/>
-          </p:cNvSpPr>
-          <p:nvPr>
-            <p:extLst>
-              <p:ext uri="{386F3935-93C4-4BCD-93E2-E3B085C9AB24}">
-                <p16:designElem xmlns:p16="http://schemas.microsoft.com/office/powerpoint/2015/main" val="1"/>
-              </p:ext>
-            </p:extLst>
-          </p:nvPr>
-        </p:nvSpPr>
-        <p:spPr>
-          <a:xfrm>
-            <a:off x="0" y="2019476"/>
-            <a:ext cx="12192000" cy="4105941"/>
-          </a:xfrm>
-          <a:prstGeom prst="rect">
-            <a:avLst/>
-          </a:prstGeom>
-          <a:gradFill flip="none" rotWithShape="1">
-            <a:gsLst>
-              <a:gs pos="0">
-                <a:schemeClr val="bg2">
-                  <a:alpha val="0"/>
-                </a:schemeClr>
-              </a:gs>
-              <a:gs pos="100000">
-                <a:schemeClr val="bg2"/>
-              </a:gs>
-            </a:gsLst>
-            <a:lin ang="5400000" scaled="0"/>
-            <a:tileRect/>
-          </a:gradFill>
-          <a:ln>
-            <a:noFill/>
-          </a:ln>
-        </p:spPr>
-        <p:style>
-          <a:lnRef idx="2">
-            <a:schemeClr val="accent1">
-              <a:shade val="50000"/>
-            </a:schemeClr>
-          </a:lnRef>
-          <a:fillRef idx="1">
-            <a:schemeClr val="accent1"/>
-          </a:fillRef>
-          <a:effectRef idx="0">
-            <a:schemeClr val="accent1"/>
-          </a:effectRef>
-          <a:fontRef idx="minor">
-            <a:schemeClr val="lt1"/>
-          </a:fontRef>
-        </p:style>
-        <p:txBody>
-          <a:bodyPr rtlCol="0" anchor="ctr"/>
-          <a:lstStyle/>
-          <a:p>
-            <a:pPr lvl="0" algn="ctr"/>
-            <a:endParaRPr lang="en-US"/>
-          </a:p>
-        </p:txBody>
-      </p:sp>
       <p:sp>
         <p:nvSpPr>
           <p:cNvPr id="2" name="TextBox 1">
@@ -9823,158 +9454,12 @@
           </a:p>
         </p:txBody>
       </p:sp>
-      <p:cxnSp>
-        <p:nvCxnSpPr>
-          <p:cNvPr id="83" name="Straight Connector 82">
-            <a:extLst>
-              <a:ext uri="{FF2B5EF4-FFF2-40B4-BE49-F238E27FC236}">
-                <a16:creationId xmlns:a16="http://schemas.microsoft.com/office/drawing/2014/main" id="{06D05ED8-39E4-42F8-92CB-704C2BD0D215}"/>
-              </a:ext>
-              <a:ext uri="{C183D7F6-B498-43B3-948B-1728B52AA6E4}">
-                <adec:decorative xmlns:adec="http://schemas.microsoft.com/office/drawing/2017/decorative" val="1"/>
-              </a:ext>
-            </a:extLst>
-          </p:cNvPr>
-          <p:cNvCxnSpPr>
-            <a:cxnSpLocks noGrp="1" noRot="1" noChangeAspect="1" noMove="1" noResize="1" noEditPoints="1" noAdjustHandles="1" noChangeArrowheads="1" noChangeShapeType="1"/>
-          </p:cNvCxnSpPr>
-          <p:nvPr>
-            <p:extLst>
-              <p:ext uri="{386F3935-93C4-4BCD-93E2-E3B085C9AB24}">
-                <p16:designElem xmlns:p16="http://schemas.microsoft.com/office/powerpoint/2015/main" val="1"/>
-              </p:ext>
-            </p:extLst>
-          </p:nvPr>
-        </p:nvCxnSpPr>
-        <p:spPr>
-          <a:xfrm>
-            <a:off x="6579647" y="3526496"/>
-            <a:ext cx="4149931" cy="0"/>
-          </a:xfrm>
-          <a:prstGeom prst="line">
-            <a:avLst/>
-          </a:prstGeom>
-          <a:ln w="31750"/>
-        </p:spPr>
-        <p:style>
-          <a:lnRef idx="3">
-            <a:schemeClr val="accent1"/>
-          </a:lnRef>
-          <a:fillRef idx="0">
-            <a:schemeClr val="accent1"/>
-          </a:fillRef>
-          <a:effectRef idx="2">
-            <a:schemeClr val="accent1"/>
-          </a:effectRef>
-          <a:fontRef idx="minor">
-            <a:schemeClr val="tx1"/>
-          </a:fontRef>
-        </p:style>
-      </p:cxnSp>
       <p:pic>
         <p:nvPicPr>
-          <p:cNvPr id="85" name="Picture 84">
+          <p:cNvPr id="4098" name="Picture 2">
             <a:extLst>
               <a:ext uri="{FF2B5EF4-FFF2-40B4-BE49-F238E27FC236}">
-                <a16:creationId xmlns:a16="http://schemas.microsoft.com/office/drawing/2014/main" id="{45CE2E7C-6AA3-4710-825D-4CDDF788C7BC}"/>
-              </a:ext>
-              <a:ext uri="{C183D7F6-B498-43B3-948B-1728B52AA6E4}">
-                <adec:decorative xmlns:adec="http://schemas.microsoft.com/office/drawing/2017/decorative" val="1"/>
-              </a:ext>
-            </a:extLst>
-          </p:cNvPr>
-          <p:cNvPicPr>
-            <a:picLocks noGrp="1" noRot="1" noChangeAspect="1" noMove="1" noResize="1" noEditPoints="1" noAdjustHandles="1" noChangeArrowheads="1" noChangeShapeType="1" noCrop="1"/>
-          </p:cNvPicPr>
-          <p:nvPr>
-            <p:extLst>
-              <p:ext uri="{386F3935-93C4-4BCD-93E2-E3B085C9AB24}">
-                <p16:designElem xmlns:p16="http://schemas.microsoft.com/office/powerpoint/2015/main" val="1"/>
-              </p:ext>
-            </p:extLst>
-          </p:nvPr>
-        </p:nvPicPr>
-        <p:blipFill rotWithShape="1">
-          <a:blip r:embed="rId2">
-            <a:extLst>
-              <a:ext uri="{28A0092B-C50C-407E-A947-70E740481C1C}">
-                <a14:useLocalDpi xmlns:a14="http://schemas.microsoft.com/office/drawing/2010/main" val="0"/>
-              </a:ext>
-            </a:extLst>
-          </a:blip>
-          <a:srcRect t="1538" b="-1538"/>
-          <a:stretch/>
-        </p:blipFill>
-        <p:spPr bwMode="black">
-          <a:xfrm>
-            <a:off x="0" y="6126480"/>
-            <a:ext cx="12192000" cy="742950"/>
-          </a:xfrm>
-          <a:prstGeom prst="rect">
-            <a:avLst/>
-          </a:prstGeom>
-        </p:spPr>
-      </p:pic>
-      <p:cxnSp>
-        <p:nvCxnSpPr>
-          <p:cNvPr id="87" name="Straight Connector 86">
-            <a:extLst>
-              <a:ext uri="{FF2B5EF4-FFF2-40B4-BE49-F238E27FC236}">
-                <a16:creationId xmlns:a16="http://schemas.microsoft.com/office/drawing/2014/main" id="{3256C6C3-0EDC-4651-AB37-9F26CFAA6C86}"/>
-              </a:ext>
-              <a:ext uri="{C183D7F6-B498-43B3-948B-1728B52AA6E4}">
-                <adec:decorative xmlns:adec="http://schemas.microsoft.com/office/drawing/2017/decorative" val="1"/>
-              </a:ext>
-            </a:extLst>
-          </p:cNvPr>
-          <p:cNvCxnSpPr>
-            <a:cxnSpLocks noGrp="1" noRot="1" noChangeAspect="1" noMove="1" noResize="1" noEditPoints="1" noAdjustHandles="1" noChangeArrowheads="1" noChangeShapeType="1"/>
-          </p:cNvCxnSpPr>
-          <p:nvPr>
-            <p:extLst>
-              <p:ext uri="{386F3935-93C4-4BCD-93E2-E3B085C9AB24}">
-                <p16:designElem xmlns:p16="http://schemas.microsoft.com/office/powerpoint/2015/main" val="1"/>
-              </p:ext>
-            </p:extLst>
-          </p:nvPr>
-        </p:nvCxnSpPr>
-        <p:spPr>
-          <a:xfrm>
-            <a:off x="0" y="6128413"/>
-            <a:ext cx="12192000" cy="0"/>
-          </a:xfrm>
-          <a:prstGeom prst="line">
-            <a:avLst/>
-          </a:prstGeom>
-          <a:ln w="12700">
-            <a:solidFill>
-              <a:srgbClr val="000001">
-                <a:alpha val="20000"/>
-              </a:srgbClr>
-            </a:solidFill>
-          </a:ln>
-        </p:spPr>
-        <p:style>
-          <a:lnRef idx="1">
-            <a:schemeClr val="accent1"/>
-          </a:lnRef>
-          <a:fillRef idx="0">
-            <a:schemeClr val="accent1"/>
-          </a:fillRef>
-          <a:effectRef idx="0">
-            <a:schemeClr val="accent1"/>
-          </a:effectRef>
-          <a:fontRef idx="minor">
-            <a:schemeClr val="tx1"/>
-          </a:fontRef>
-        </p:style>
-      </p:cxnSp>
-      <p:pic>
-        <p:nvPicPr>
-          <p:cNvPr id="4104" name="Picture 8">
-            <a:extLst>
-              <a:ext uri="{FF2B5EF4-FFF2-40B4-BE49-F238E27FC236}">
-                <a16:creationId xmlns:a16="http://schemas.microsoft.com/office/drawing/2014/main" id="{22E4498C-6EF7-445B-A9F9-52A8CB55AC3B}"/>
+                <a16:creationId xmlns:a16="http://schemas.microsoft.com/office/drawing/2014/main" id="{EA465852-D1A1-4B90-894C-98D83086637A}"/>
               </a:ext>
             </a:extLst>
           </p:cNvPr>
@@ -9984,22 +9469,21 @@
           <p:nvPr/>
         </p:nvPicPr>
         <p:blipFill>
-          <a:blip r:embed="rId3">
+          <a:blip r:embed="rId2">
             <a:extLst>
               <a:ext uri="{28A0092B-C50C-407E-A947-70E740481C1C}">
                 <a14:useLocalDpi xmlns:a14="http://schemas.microsoft.com/office/drawing/2010/main" val="0"/>
               </a:ext>
             </a:extLst>
           </a:blip>
-          <a:srcRect/>
           <a:stretch>
             <a:fillRect/>
           </a:stretch>
         </p:blipFill>
         <p:spPr bwMode="auto">
           <a:xfrm>
-            <a:off x="-758" y="-6281"/>
-            <a:ext cx="6150233" cy="6150233"/>
+            <a:off x="-9980" y="-11430"/>
+            <a:ext cx="6172655" cy="6172655"/>
           </a:xfrm>
           <a:prstGeom prst="rect">
             <a:avLst/>
@@ -10018,10 +9502,10 @@
       </p:pic>
       <p:pic>
         <p:nvPicPr>
-          <p:cNvPr id="4" name="Picture 3">
+          <p:cNvPr id="3" name="Picture 2">
             <a:extLst>
               <a:ext uri="{FF2B5EF4-FFF2-40B4-BE49-F238E27FC236}">
-                <a16:creationId xmlns:a16="http://schemas.microsoft.com/office/drawing/2014/main" id="{DD53E732-6E7C-4203-A0FF-8AD6FFD2294D}"/>
+                <a16:creationId xmlns:a16="http://schemas.microsoft.com/office/drawing/2014/main" id="{6DAB4351-1981-4CD9-ACF9-AE1DBD62223A}"/>
               </a:ext>
             </a:extLst>
           </p:cNvPr>
@@ -10031,15 +9515,15 @@
           <p:nvPr/>
         </p:nvPicPr>
         <p:blipFill>
-          <a:blip r:embed="rId4"/>
+          <a:blip r:embed="rId3"/>
           <a:stretch>
             <a:fillRect/>
           </a:stretch>
         </p:blipFill>
         <p:spPr>
           <a:xfrm>
-            <a:off x="6389286" y="3970035"/>
-            <a:ext cx="5562600" cy="1685925"/>
+            <a:off x="7262332" y="3881959"/>
+            <a:ext cx="2476500" cy="1885950"/>
           </a:xfrm>
           <a:prstGeom prst="rect">
             <a:avLst/>
@@ -10049,7 +9533,7 @@
     </p:spTree>
     <p:extLst>
       <p:ext uri="{BB962C8B-B14F-4D97-AF65-F5344CB8AC3E}">
-        <p14:creationId xmlns:p14="http://schemas.microsoft.com/office/powerpoint/2010/main" val="937658351"/>
+        <p14:creationId xmlns:p14="http://schemas.microsoft.com/office/powerpoint/2010/main" val="1345105184"/>
       </p:ext>
     </p:extLst>
   </p:cSld>
@@ -10469,24 +9953,6 @@
 </file>
 
 <file path=customXml/item1.xml><?xml version="1.0" encoding="utf-8"?>
-<p:properties xmlns:p="http://schemas.microsoft.com/office/2006/metadata/properties" xmlns:xsi="http://www.w3.org/2001/XMLSchema-instance" xmlns:pc="http://schemas.microsoft.com/office/infopath/2007/PartnerControls">
-  <documentManagement>
-    <Status xmlns="71af3243-3dd4-4a8d-8c0d-dd76da1f02a5">Not started</Status>
-    <MediaServiceKeyPoints xmlns="71af3243-3dd4-4a8d-8c0d-dd76da1f02a5" xsi:nil="true"/>
-  </documentManagement>
-</p:properties>
-</file>
-
-<file path=customXml/item2.xml><?xml version="1.0" encoding="utf-8"?>
-<?mso-contentType ?>
-<FormTemplates xmlns="http://schemas.microsoft.com/sharepoint/v3/contenttype/forms">
-  <Display>DocumentLibraryForm</Display>
-  <Edit>DocumentLibraryForm</Edit>
-  <New>DocumentLibraryForm</New>
-</FormTemplates>
-</file>
-
-<file path=customXml/item3.xml><?xml version="1.0" encoding="utf-8"?>
 <ct:contentTypeSchema xmlns:ct="http://schemas.microsoft.com/office/2006/metadata/contentType" xmlns:ma="http://schemas.microsoft.com/office/2006/metadata/properties/metaAttributes" ct:_="" ma:_="" ma:contentTypeName="Document" ma:contentTypeID="0x01010079F111ED35F8CC479449609E8A0923A6" ma:contentTypeVersion="12" ma:contentTypeDescription="Create a new document." ma:contentTypeScope="" ma:versionID="a410dd7f93c95333ffa1b60ed6adedd1">
   <xsd:schema xmlns:xsd="http://www.w3.org/2001/XMLSchema" xmlns:xs="http://www.w3.org/2001/XMLSchema" xmlns:p="http://schemas.microsoft.com/office/2006/metadata/properties" xmlns:ns2="71af3243-3dd4-4a8d-8c0d-dd76da1f02a5" xmlns:ns3="16c05727-aa75-4e4a-9b5f-8a80a1165891" targetNamespace="http://schemas.microsoft.com/office/2006/metadata/properties" ma:root="true" ma:fieldsID="a936d9baba76aa3866493feff160faab" ns2:_="" ns3:_="">
     <xsd:import namespace="71af3243-3dd4-4a8d-8c0d-dd76da1f02a5"/>
@@ -10707,25 +10173,25 @@
 </ct:contentTypeSchema>
 </file>
 
-<file path=customXml/itemProps1.xml><?xml version="1.0" encoding="utf-8"?>
-<ds:datastoreItem xmlns:ds="http://schemas.openxmlformats.org/officeDocument/2006/customXml" ds:itemID="{A03EEFF0-FB57-4CB4-8BFC-DF397689E2ED}">
-  <ds:schemaRefs>
-    <ds:schemaRef ds:uri="http://schemas.microsoft.com/office/2006/metadata/properties"/>
-    <ds:schemaRef ds:uri="http://schemas.microsoft.com/office/infopath/2007/PartnerControls"/>
-    <ds:schemaRef ds:uri="71af3243-3dd4-4a8d-8c0d-dd76da1f02a5"/>
-  </ds:schemaRefs>
-</ds:datastoreItem>
+<file path=customXml/item2.xml><?xml version="1.0" encoding="utf-8"?>
+<?mso-contentType ?>
+<FormTemplates xmlns="http://schemas.microsoft.com/sharepoint/v3/contenttype/forms">
+  <Display>DocumentLibraryForm</Display>
+  <Edit>DocumentLibraryForm</Edit>
+  <New>DocumentLibraryForm</New>
+</FormTemplates>
 </file>
 
-<file path=customXml/itemProps2.xml><?xml version="1.0" encoding="utf-8"?>
-<ds:datastoreItem xmlns:ds="http://schemas.openxmlformats.org/officeDocument/2006/customXml" ds:itemID="{AA3F7EDC-E5B4-4BBC-9D2A-CBE6D46C37AD}">
-  <ds:schemaRefs>
-    <ds:schemaRef ds:uri="http://schemas.microsoft.com/sharepoint/v3/contenttype/forms"/>
-  </ds:schemaRefs>
-</ds:datastoreItem>
+<file path=customXml/item3.xml><?xml version="1.0" encoding="utf-8"?>
+<p:properties xmlns:p="http://schemas.microsoft.com/office/2006/metadata/properties" xmlns:xsi="http://www.w3.org/2001/XMLSchema-instance" xmlns:pc="http://schemas.microsoft.com/office/infopath/2007/PartnerControls">
+  <documentManagement>
+    <Status xmlns="71af3243-3dd4-4a8d-8c0d-dd76da1f02a5">Not started</Status>
+    <MediaServiceKeyPoints xmlns="71af3243-3dd4-4a8d-8c0d-dd76da1f02a5" xsi:nil="true"/>
+  </documentManagement>
+</p:properties>
 </file>
 
-<file path=customXml/itemProps3.xml><?xml version="1.0" encoding="utf-8"?>
+<file path=customXml/itemProps1.xml><?xml version="1.0" encoding="utf-8"?>
 <ds:datastoreItem xmlns:ds="http://schemas.openxmlformats.org/officeDocument/2006/customXml" ds:itemID="{93932EF5-314F-409E-8020-FEE5FA0795B9}">
   <ds:schemaRefs>
     <ds:schemaRef ds:uri="http://schemas.microsoft.com/office/2006/metadata/contentType"/>
@@ -10742,4 +10208,22 @@
     <ds:schemaRef ds:uri="http://schemas.microsoft.com/internal/obd"/>
   </ds:schemaRefs>
 </ds:datastoreItem>
+</file>
+
+<file path=customXml/itemProps2.xml><?xml version="1.0" encoding="utf-8"?>
+<ds:datastoreItem xmlns:ds="http://schemas.openxmlformats.org/officeDocument/2006/customXml" ds:itemID="{AA3F7EDC-E5B4-4BBC-9D2A-CBE6D46C37AD}">
+  <ds:schemaRefs>
+    <ds:schemaRef ds:uri="http://schemas.microsoft.com/sharepoint/v3/contenttype/forms"/>
+  </ds:schemaRefs>
+</ds:datastoreItem>
+</file>
+
+<file path=customXml/itemProps3.xml><?xml version="1.0" encoding="utf-8"?>
+<ds:datastoreItem xmlns:ds="http://schemas.openxmlformats.org/officeDocument/2006/customXml" ds:itemID="{A03EEFF0-FB57-4CB4-8BFC-DF397689E2ED}">
+  <ds:schemaRefs>
+    <ds:schemaRef ds:uri="http://schemas.microsoft.com/office/2006/metadata/properties"/>
+    <ds:schemaRef ds:uri="http://schemas.microsoft.com/office/infopath/2007/PartnerControls"/>
+    <ds:schemaRef ds:uri="71af3243-3dd4-4a8d-8c0d-dd76da1f02a5"/>
+  </ds:schemaRefs>
+</ds:datastoreItem>
 </file>